--- a/results/NestedFMICROSOFT.pptx
+++ b/results/NestedFMICROSOFT.pptx
@@ -292,7 +292,7 @@
           <a:p>
             <a:fld id="{EFE66388-F3AC-FB4D-894A-B9A5C4F59789}" type="datetimeFigureOut">
               <a:rPr lang="en-US" smtClean="0"/>
-              <a:t>4/10/13</a:t>
+              <a:t>4/11/13</a:t>
             </a:fld>
             <a:endParaRPr lang="en-US"/>
           </a:p>
@@ -462,7 +462,7 @@
           <a:p>
             <a:fld id="{EFE66388-F3AC-FB4D-894A-B9A5C4F59789}" type="datetimeFigureOut">
               <a:rPr lang="en-US" smtClean="0"/>
-              <a:t>4/10/13</a:t>
+              <a:t>4/11/13</a:t>
             </a:fld>
             <a:endParaRPr lang="en-US"/>
           </a:p>
@@ -642,7 +642,7 @@
           <a:p>
             <a:fld id="{EFE66388-F3AC-FB4D-894A-B9A5C4F59789}" type="datetimeFigureOut">
               <a:rPr lang="en-US" smtClean="0"/>
-              <a:t>4/10/13</a:t>
+              <a:t>4/11/13</a:t>
             </a:fld>
             <a:endParaRPr lang="en-US"/>
           </a:p>
@@ -812,7 +812,7 @@
           <a:p>
             <a:fld id="{EFE66388-F3AC-FB4D-894A-B9A5C4F59789}" type="datetimeFigureOut">
               <a:rPr lang="en-US" smtClean="0"/>
-              <a:t>4/10/13</a:t>
+              <a:t>4/11/13</a:t>
             </a:fld>
             <a:endParaRPr lang="en-US"/>
           </a:p>
@@ -1058,7 +1058,7 @@
           <a:p>
             <a:fld id="{EFE66388-F3AC-FB4D-894A-B9A5C4F59789}" type="datetimeFigureOut">
               <a:rPr lang="en-US" smtClean="0"/>
-              <a:t>4/10/13</a:t>
+              <a:t>4/11/13</a:t>
             </a:fld>
             <a:endParaRPr lang="en-US"/>
           </a:p>
@@ -1346,7 +1346,7 @@
           <a:p>
             <a:fld id="{EFE66388-F3AC-FB4D-894A-B9A5C4F59789}" type="datetimeFigureOut">
               <a:rPr lang="en-US" smtClean="0"/>
-              <a:t>4/10/13</a:t>
+              <a:t>4/11/13</a:t>
             </a:fld>
             <a:endParaRPr lang="en-US"/>
           </a:p>
@@ -1768,7 +1768,7 @@
           <a:p>
             <a:fld id="{EFE66388-F3AC-FB4D-894A-B9A5C4F59789}" type="datetimeFigureOut">
               <a:rPr lang="en-US" smtClean="0"/>
-              <a:t>4/10/13</a:t>
+              <a:t>4/11/13</a:t>
             </a:fld>
             <a:endParaRPr lang="en-US"/>
           </a:p>
@@ -1886,7 +1886,7 @@
           <a:p>
             <a:fld id="{EFE66388-F3AC-FB4D-894A-B9A5C4F59789}" type="datetimeFigureOut">
               <a:rPr lang="en-US" smtClean="0"/>
-              <a:t>4/10/13</a:t>
+              <a:t>4/11/13</a:t>
             </a:fld>
             <a:endParaRPr lang="en-US"/>
           </a:p>
@@ -1981,7 +1981,7 @@
           <a:p>
             <a:fld id="{EFE66388-F3AC-FB4D-894A-B9A5C4F59789}" type="datetimeFigureOut">
               <a:rPr lang="en-US" smtClean="0"/>
-              <a:t>4/10/13</a:t>
+              <a:t>4/11/13</a:t>
             </a:fld>
             <a:endParaRPr lang="en-US"/>
           </a:p>
@@ -2258,7 +2258,7 @@
           <a:p>
             <a:fld id="{EFE66388-F3AC-FB4D-894A-B9A5C4F59789}" type="datetimeFigureOut">
               <a:rPr lang="en-US" smtClean="0"/>
-              <a:t>4/10/13</a:t>
+              <a:t>4/11/13</a:t>
             </a:fld>
             <a:endParaRPr lang="en-US"/>
           </a:p>
@@ -2511,7 +2511,7 @@
           <a:p>
             <a:fld id="{EFE66388-F3AC-FB4D-894A-B9A5C4F59789}" type="datetimeFigureOut">
               <a:rPr lang="en-US" smtClean="0"/>
-              <a:t>4/10/13</a:t>
+              <a:t>4/11/13</a:t>
             </a:fld>
             <a:endParaRPr lang="en-US"/>
           </a:p>
@@ -2724,7 +2724,7 @@
           <a:p>
             <a:fld id="{EFE66388-F3AC-FB4D-894A-B9A5C4F59789}" type="datetimeFigureOut">
               <a:rPr lang="en-US" smtClean="0"/>
-              <a:t>4/10/13</a:t>
+              <a:t>4/11/13</a:t>
             </a:fld>
             <a:endParaRPr lang="en-US"/>
           </a:p>
@@ -5266,6 +5266,7 @@
                   <a:srgbClr val="000000"/>
                 </a:solidFill>
               </a:ln>
+              <a:effectLst/>
             </p:spPr>
             <p:style>
               <a:lnRef idx="2">
@@ -5323,11 +5324,7 @@
                 </a:r>
                 <a:r>
                   <a:rPr lang="en-US" sz="1200" dirty="0" err="1" smtClean="0"/>
-                  <a:t>n</a:t>
-                </a:r>
-                <a:r>
-                  <a:rPr lang="en-US" sz="1200" dirty="0" err="1" smtClean="0"/>
-                  <a:t>pop</a:t>
+                  <a:t>npop</a:t>
                 </a:r>
                 <a:endParaRPr lang="en-US" sz="1200" dirty="0"/>
               </a:p>
@@ -5422,6 +5419,7 @@
                   <a:srgbClr val="000000"/>
                 </a:solidFill>
               </a:ln>
+              <a:effectLst/>
             </p:spPr>
             <p:style>
               <a:lnRef idx="2">
@@ -5465,6 +5463,7 @@
                   <a:srgbClr val="000000"/>
                 </a:solidFill>
               </a:ln>
+              <a:effectLst/>
             </p:spPr>
             <p:style>
               <a:lnRef idx="2">
@@ -5500,6 +5499,7 @@
                   <a:srgbClr val="000000"/>
                 </a:solidFill>
               </a:ln>
+              <a:effectLst/>
             </p:spPr>
             <p:style>
               <a:lnRef idx="2">
@@ -5536,6 +5536,7 @@
                 </a:solidFill>
                 <a:prstDash val="sysDash"/>
               </a:ln>
+              <a:effectLst/>
             </p:spPr>
             <p:style>
               <a:lnRef idx="2">
@@ -5574,6 +5575,7 @@
                 </a:solidFill>
                 <a:prstDash val="sysDash"/>
               </a:ln>
+              <a:effectLst/>
             </p:spPr>
             <p:style>
               <a:lnRef idx="2">
@@ -5609,6 +5611,7 @@
                   <a:srgbClr val="000000"/>
                 </a:solidFill>
               </a:ln>
+              <a:effectLst/>
             </p:spPr>
             <p:style>
               <a:lnRef idx="2">
@@ -5644,6 +5647,7 @@
                   <a:srgbClr val="000000"/>
                 </a:solidFill>
               </a:ln>
+              <a:effectLst/>
             </p:spPr>
             <p:style>
               <a:lnRef idx="2">
@@ -5679,6 +5683,7 @@
                   <a:srgbClr val="000000"/>
                 </a:solidFill>
               </a:ln>
+              <a:effectLst/>
             </p:spPr>
             <p:style>
               <a:lnRef idx="2">
@@ -5847,6 +5852,7 @@
                 </a:solidFill>
                 <a:prstDash val="sysDash"/>
               </a:ln>
+              <a:effectLst/>
             </p:spPr>
             <p:style>
               <a:lnRef idx="2">
@@ -5885,6 +5891,7 @@
                 </a:solidFill>
                 <a:prstDash val="sysDash"/>
               </a:ln>
+              <a:effectLst/>
             </p:spPr>
             <p:style>
               <a:lnRef idx="2">
@@ -5920,6 +5927,7 @@
                   <a:srgbClr val="000000"/>
                 </a:solidFill>
               </a:ln>
+              <a:effectLst/>
             </p:spPr>
             <p:style>
               <a:lnRef idx="2">
@@ -5955,6 +5963,7 @@
                   <a:srgbClr val="000000"/>
                 </a:solidFill>
               </a:ln>
+              <a:effectLst/>
             </p:spPr>
             <p:style>
               <a:lnRef idx="2">
@@ -6162,6 +6171,7 @@
               <a:prstDash val="sysDash"/>
               <a:tailEnd type="arrow"/>
             </a:ln>
+            <a:effectLst/>
           </p:spPr>
           <p:style>
             <a:lnRef idx="2">
@@ -6201,6 +6211,7 @@
               <a:prstDash val="sysDash"/>
               <a:tailEnd type="arrow"/>
             </a:ln>
+            <a:effectLst/>
           </p:spPr>
           <p:style>
             <a:lnRef idx="2">
@@ -6240,6 +6251,7 @@
               <a:prstDash val="sysDash"/>
               <a:tailEnd type="arrow"/>
             </a:ln>
+            <a:effectLst/>
           </p:spPr>
           <p:style>
             <a:lnRef idx="2">
